--- a/4.Presentation_proj_1/Real Estate Mkt.pptx
+++ b/4.Presentation_proj_1/Real Estate Mkt.pptx
@@ -5406,7 +5406,7 @@
             <a:pPr algn="ctr"/>
             <a:r>
               <a:rPr lang="en-CA" i="1" dirty="0"/>
-              <a:t>There is a weak correlation between the number of Covid-19 cases reported each month and the monthly changes in the mortgage rate.</a:t>
+              <a:t>There is a moderate negative correlation between the number of Covid-19 cases reported each month and the monthly changes in the mortgage rate.</a:t>
             </a:r>
           </a:p>
         </p:txBody>
@@ -5682,8 +5682,8 @@
         </p:nvSpPr>
         <p:spPr>
           <a:xfrm>
-            <a:off x="699795" y="1305341"/>
-            <a:ext cx="10933381" cy="1477328"/>
+            <a:off x="444139" y="1305341"/>
+            <a:ext cx="11189038" cy="1200329"/>
           </a:xfrm>
           <a:prstGeom prst="rect">
             <a:avLst/>
@@ -5763,8 +5763,8 @@
         </p:nvSpPr>
         <p:spPr>
           <a:xfrm>
-            <a:off x="699794" y="2985622"/>
-            <a:ext cx="10933381" cy="1477328"/>
+            <a:off x="444140" y="2847122"/>
+            <a:ext cx="11189037" cy="1477328"/>
           </a:xfrm>
           <a:prstGeom prst="rect">
             <a:avLst/>
@@ -5848,8 +5848,8 @@
         </p:nvSpPr>
         <p:spPr>
           <a:xfrm>
-            <a:off x="699794" y="4665902"/>
-            <a:ext cx="11230949" cy="1477328"/>
+            <a:off x="444138" y="4665902"/>
+            <a:ext cx="11643360" cy="1477328"/>
           </a:xfrm>
           <a:prstGeom prst="rect">
             <a:avLst/>
@@ -5924,7 +5924,7 @@
                 <a:latin typeface="Century Schoolbook" panose="02040604050505020304" pitchFamily="18" charset="0"/>
                 <a:cs typeface="Calibri" panose="020F0502020204030204" pitchFamily="34" charset="0"/>
               </a:rPr>
-              <a:t>, with a correlation coefficient of -.58, there is also a weak correlation between the monthly changes in Covid-19 cases and the downward trend of the mortgage rate</a:t>
+              <a:t>, with a correlation coefficient of -.58, there is a moderate negative weak correlation between the monthly changes in Covid-19 cases and the downward trend of the mortgage rate</a:t>
             </a:r>
             <a:endParaRPr lang="en-CA" i="1" dirty="0">
               <a:latin typeface="Century Schoolbook" panose="02040604050505020304" pitchFamily="18" charset="0"/>
